--- a/TB03-Arquitectura-de-Software.pptx
+++ b/TB03-Arquitectura-de-Software.pptx
@@ -126,7 +126,7 @@
   </p:defaultTextStyle>
   <p:extLst>
     <p:ext uri="{EFAFB233-063F-42B5-8137-9DF3F51BA10A}">
-      <p15:sldGuideLst xmlns:p15="http://schemas.microsoft.com/office/powerpoint/2012/main"/>
+      <p15:sldGuideLst xmlns:p15="http://schemas.microsoft.com/office/powerpoint/2012/main" xmlns=""/>
     </p:ext>
   </p:extLst>
 </p:presentation>
@@ -8154,7 +8154,7 @@
             <p:ph idx="1"/>
             <p:extLst>
               <p:ext uri="{D42A27DB-BD31-4B8C-83A1-F6EECF244321}">
-                <p14:modId xmlns:p14="http://schemas.microsoft.com/office/powerpoint/2010/main" val="4048774521"/>
+                <p14:modId xmlns:p14="http://schemas.microsoft.com/office/powerpoint/2010/main" val="3957709203"/>
               </p:ext>
             </p:extLst>
           </p:nvPr>
@@ -8218,10 +8218,10 @@
                         </a:spcAft>
                       </a:pPr>
                       <a:r>
-                        <a:rPr lang="es-ES" sz="1400" dirty="0" err="1">
+                        <a:rPr lang="es-ES" sz="1400" dirty="0" smtClean="0">
                           <a:effectLst/>
                         </a:rPr>
-                        <a:t>Descripcion</a:t>
+                        <a:t>Descripción</a:t>
                       </a:r>
                       <a:endParaRPr lang="es-ES" sz="1400" dirty="0">
                         <a:effectLst/>
@@ -8574,12 +8574,18 @@
                         </a:spcAft>
                       </a:pPr>
                       <a:r>
-                        <a:rPr lang="es-ES" sz="1400">
+                        <a:rPr lang="es-ES" sz="1400" dirty="0" smtClean="0">
                           <a:effectLst/>
                         </a:rPr>
-                        <a:t>Conacto de Emergencia (Usabilidad)</a:t>
+                        <a:t>Contacto </a:t>
                       </a:r>
-                      <a:endParaRPr lang="es-ES" sz="1400">
+                      <a:r>
+                        <a:rPr lang="es-ES" sz="1400" dirty="0">
+                          <a:effectLst/>
+                        </a:rPr>
+                        <a:t>de Emergencia (Usabilidad)</a:t>
+                      </a:r>
+                      <a:endParaRPr lang="es-ES" sz="1400" dirty="0">
                         <a:effectLst/>
                         <a:latin typeface="Calibri" panose="020F0502020204030204" pitchFamily="34" charset="0"/>
                         <a:ea typeface="Calibri" panose="020F0502020204030204" pitchFamily="34" charset="0"/>
@@ -11118,7 +11124,7 @@
   <a:extraClrSchemeLst/>
   <a:extLst>
     <a:ext uri="{05A4C25C-085E-4340-85A3-A5531E510DB2}">
-      <thm15:themeFamily xmlns:thm15="http://schemas.microsoft.com/office/thememl/2012/main" name="Berlin" id="{7B5DBA9E-B069-418E-9360-A61BDD0615A4}" vid="{C0CBE056-4EF4-4D92-969E-947779DA7AAA}"/>
+      <thm15:themeFamily xmlns:thm15="http://schemas.microsoft.com/office/thememl/2012/main" xmlns="" name="Berlin" id="{7B5DBA9E-B069-418E-9360-A61BDD0615A4}" vid="{C0CBE056-4EF4-4D92-969E-947779DA7AAA}"/>
     </a:ext>
   </a:extLst>
 </a:theme>

--- a/TB03-Arquitectura-de-Software.pptx
+++ b/TB03-Arquitectura-de-Software.pptx
@@ -126,7 +126,18 @@
   </p:defaultTextStyle>
   <p:extLst>
     <p:ext uri="{EFAFB233-063F-42B5-8137-9DF3F51BA10A}">
-      <p15:sldGuideLst xmlns:p15="http://schemas.microsoft.com/office/powerpoint/2012/main" xmlns=""/>
+      <p15:sldGuideLst xmlns:p15="http://schemas.microsoft.com/office/powerpoint/2012/main">
+        <p15:guide id="1" orient="horz" pos="2160">
+          <p15:clr>
+            <a:srgbClr val="A4A3A4"/>
+          </p15:clr>
+        </p15:guide>
+        <p15:guide id="2" pos="3840">
+          <p15:clr>
+            <a:srgbClr val="A4A3A4"/>
+          </p15:clr>
+        </p15:guide>
+      </p15:sldGuideLst>
     </p:ext>
   </p:extLst>
 </p:presentation>
@@ -9432,7 +9443,7 @@
       </p:grpSpPr>
       <p:pic>
         <p:nvPicPr>
-          <p:cNvPr id="2" name="Imagen 1"/>
+          <p:cNvPr id="3" name="Imagen 2"/>
           <p:cNvPicPr>
             <a:picLocks noChangeAspect="1"/>
           </p:cNvPicPr>
@@ -9446,8 +9457,8 @@
         </p:blipFill>
         <p:spPr>
           <a:xfrm>
-            <a:off x="2035290" y="609146"/>
-            <a:ext cx="7254031" cy="5243013"/>
+            <a:off x="1804046" y="651456"/>
+            <a:ext cx="8061386" cy="5581918"/>
           </a:xfrm>
           <a:prstGeom prst="rect">
             <a:avLst/>
@@ -11124,7 +11135,7 @@
   <a:extraClrSchemeLst/>
   <a:extLst>
     <a:ext uri="{05A4C25C-085E-4340-85A3-A5531E510DB2}">
-      <thm15:themeFamily xmlns:thm15="http://schemas.microsoft.com/office/thememl/2012/main" xmlns="" name="Berlin" id="{7B5DBA9E-B069-418E-9360-A61BDD0615A4}" vid="{C0CBE056-4EF4-4D92-969E-947779DA7AAA}"/>
+      <thm15:themeFamily xmlns:thm15="http://schemas.microsoft.com/office/thememl/2012/main" name="Berlin" id="{7B5DBA9E-B069-418E-9360-A61BDD0615A4}" vid="{C0CBE056-4EF4-4D92-969E-947779DA7AAA}"/>
     </a:ext>
   </a:extLst>
 </a:theme>

--- a/TB03-Arquitectura-de-Software.pptx
+++ b/TB03-Arquitectura-de-Software.pptx
@@ -8165,7 +8165,7 @@
             <p:ph idx="1"/>
             <p:extLst>
               <p:ext uri="{D42A27DB-BD31-4B8C-83A1-F6EECF244321}">
-                <p14:modId xmlns:p14="http://schemas.microsoft.com/office/powerpoint/2010/main" val="3957709203"/>
+                <p14:modId xmlns:p14="http://schemas.microsoft.com/office/powerpoint/2010/main" val="4217058502"/>
               </p:ext>
             </p:extLst>
           </p:nvPr>
@@ -8347,10 +8347,10 @@
                         </a:spcAft>
                       </a:pPr>
                       <a:r>
-                        <a:rPr lang="es-ES" sz="1400" dirty="0">
+                        <a:rPr lang="es-ES" sz="1400" dirty="0" smtClean="0">
                           <a:effectLst/>
                         </a:rPr>
-                        <a:t>2</a:t>
+                        <a:t>3</a:t>
                       </a:r>
                       <a:endParaRPr lang="es-ES" sz="1400" dirty="0">
                         <a:effectLst/>
@@ -8525,10 +8525,10 @@
                         </a:spcAft>
                       </a:pPr>
                       <a:r>
-                        <a:rPr lang="es-ES" sz="1400" dirty="0">
+                        <a:rPr lang="es-ES" sz="1400" dirty="0" smtClean="0">
                           <a:effectLst/>
                         </a:rPr>
-                        <a:t>3</a:t>
+                        <a:t>5</a:t>
                       </a:r>
                       <a:endParaRPr lang="es-ES" sz="1400" dirty="0">
                         <a:effectLst/>
@@ -8620,10 +8620,10 @@
                         </a:spcAft>
                       </a:pPr>
                       <a:r>
-                        <a:rPr lang="es-ES" sz="1400" dirty="0">
+                        <a:rPr lang="es-ES" sz="1400" smtClean="0">
                           <a:effectLst/>
                         </a:rPr>
-                        <a:t>1</a:t>
+                        <a:t>2</a:t>
                       </a:r>
                       <a:endParaRPr lang="es-ES" sz="1400" dirty="0">
                         <a:effectLst/>
@@ -8887,10 +8887,10 @@
                         </a:spcAft>
                       </a:pPr>
                       <a:r>
-                        <a:rPr lang="es-ES" sz="1400" dirty="0">
+                        <a:rPr lang="es-ES" sz="1400" dirty="0" smtClean="0">
                           <a:effectLst/>
                         </a:rPr>
-                        <a:t>1</a:t>
+                        <a:t>2</a:t>
                       </a:r>
                       <a:endParaRPr lang="es-ES" sz="1400" dirty="0">
                         <a:effectLst/>

--- a/TB03-Arquitectura-de-Software.pptx
+++ b/TB03-Arquitectura-de-Software.pptx
@@ -8112,6 +8112,13 @@
   <p:clrMapOvr>
     <a:masterClrMapping/>
   </p:clrMapOvr>
+  <p:timing>
+    <p:tnLst>
+      <p:par>
+        <p:cTn id="1" dur="indefinite" restart="never" nodeType="tmRoot"/>
+      </p:par>
+    </p:tnLst>
+  </p:timing>
 </p:sld>
 </file>
 
@@ -9006,6 +9013,13 @@
   <p:clrMapOvr>
     <a:masterClrMapping/>
   </p:clrMapOvr>
+  <p:timing>
+    <p:tnLst>
+      <p:par>
+        <p:cTn id="1" dur="indefinite" restart="never" nodeType="tmRoot"/>
+      </p:par>
+    </p:tnLst>
+  </p:timing>
 </p:sld>
 </file>
 
@@ -9059,6 +9073,13 @@
   <p:clrMapOvr>
     <a:masterClrMapping/>
   </p:clrMapOvr>
+  <p:timing>
+    <p:tnLst>
+      <p:par>
+        <p:cTn id="1" dur="indefinite" restart="never" nodeType="tmRoot"/>
+      </p:par>
+    </p:tnLst>
+  </p:timing>
 </p:sld>
 </file>
 
@@ -9248,6 +9269,13 @@
   <p:clrMapOvr>
     <a:masterClrMapping/>
   </p:clrMapOvr>
+  <p:timing>
+    <p:tnLst>
+      <p:par>
+        <p:cTn id="1" dur="indefinite" restart="never" nodeType="tmRoot"/>
+      </p:par>
+    </p:tnLst>
+  </p:timing>
 </p:sld>
 </file>
 
@@ -9270,7 +9298,7 @@
       </p:grpSpPr>
       <p:pic>
         <p:nvPicPr>
-          <p:cNvPr id="2" name="Imagen 1"/>
+          <p:cNvPr id="3" name="Imagen 2"/>
           <p:cNvPicPr>
             <a:picLocks noChangeAspect="1"/>
           </p:cNvPicPr>
@@ -9284,8 +9312,8 @@
         </p:blipFill>
         <p:spPr>
           <a:xfrm>
-            <a:off x="2220687" y="465759"/>
-            <a:ext cx="6770914" cy="5473079"/>
+            <a:off x="2072224" y="303123"/>
+            <a:ext cx="7355111" cy="6220132"/>
           </a:xfrm>
           <a:prstGeom prst="rect">
             <a:avLst/>
@@ -9421,6 +9449,13 @@
   <p:clrMapOvr>
     <a:masterClrMapping/>
   </p:clrMapOvr>
+  <p:timing>
+    <p:tnLst>
+      <p:par>
+        <p:cTn id="1" dur="indefinite" restart="never" nodeType="tmRoot"/>
+      </p:par>
+    </p:tnLst>
+  </p:timing>
 </p:sld>
 </file>
 
